--- a/docs/Presentation_10:16:18.pptx
+++ b/docs/Presentation_10:16:18.pptx
@@ -134,6 +134,11 @@
       </a:defRPr>
     </a:lvl9pPr>
   </p:defaultTextStyle>
+  <p:extLst>
+    <p:ext uri="{EFAFB233-063F-42B5-8137-9DF3F51BA10A}">
+      <p15:sldGuideLst xmlns:p15="http://schemas.microsoft.com/office/powerpoint/2012/main"/>
+    </p:ext>
+  </p:extLst>
 </p:presentation>
 </file>
 
@@ -219,7 +224,7 @@
           <a:p>
             <a:fld id="{130130EB-A97E-0B47-850D-9C44AF958997}" type="datetimeFigureOut">
               <a:rPr lang="en-US" smtClean="0"/>
-              <a:t>10/16/18</a:t>
+              <a:t>4/8/19</a:t>
             </a:fld>
             <a:endParaRPr lang="en-US"/>
           </a:p>
@@ -870,7 +875,7 @@
           <a:p>
             <a:fld id="{C78BE8E0-4B58-B348-813F-33091EA8C44B}" type="datetime1">
               <a:rPr lang="en-US" smtClean="0"/>
-              <a:t>10/16/18</a:t>
+              <a:t>4/8/19</a:t>
             </a:fld>
             <a:endParaRPr lang="en-US"/>
           </a:p>
@@ -1040,7 +1045,7 @@
           <a:p>
             <a:fld id="{7AB98E3C-424B-9346-A4AF-90ECC94BFB83}" type="datetime1">
               <a:rPr lang="en-US" smtClean="0"/>
-              <a:t>10/16/18</a:t>
+              <a:t>4/8/19</a:t>
             </a:fld>
             <a:endParaRPr lang="en-US"/>
           </a:p>
@@ -1220,7 +1225,7 @@
           <a:p>
             <a:fld id="{79F97D19-9E83-C54C-BA55-A7F7896CD52A}" type="datetime1">
               <a:rPr lang="en-US" smtClean="0"/>
-              <a:t>10/16/18</a:t>
+              <a:t>4/8/19</a:t>
             </a:fld>
             <a:endParaRPr lang="en-US"/>
           </a:p>
@@ -1390,7 +1395,7 @@
           <a:p>
             <a:fld id="{C84F67A6-3A4A-4748-99EF-AA537360B0E6}" type="datetime1">
               <a:rPr lang="en-US" smtClean="0"/>
-              <a:t>10/16/18</a:t>
+              <a:t>4/8/19</a:t>
             </a:fld>
             <a:endParaRPr lang="en-US"/>
           </a:p>
@@ -1636,7 +1641,7 @@
           <a:p>
             <a:fld id="{0D68EB71-6135-B14E-9822-D5D51685CDF3}" type="datetime1">
               <a:rPr lang="en-US" smtClean="0"/>
-              <a:t>10/16/18</a:t>
+              <a:t>4/8/19</a:t>
             </a:fld>
             <a:endParaRPr lang="en-US"/>
           </a:p>
@@ -1868,7 +1873,7 @@
           <a:p>
             <a:fld id="{469C9E3E-DEF8-AC49-BA56-E46BC8DB629D}" type="datetime1">
               <a:rPr lang="en-US" smtClean="0"/>
-              <a:t>10/16/18</a:t>
+              <a:t>4/8/19</a:t>
             </a:fld>
             <a:endParaRPr lang="en-US"/>
           </a:p>
@@ -2235,7 +2240,7 @@
           <a:p>
             <a:fld id="{C59AC3CA-DEA1-BF40-BAF6-FCD3CED566DA}" type="datetime1">
               <a:rPr lang="en-US" smtClean="0"/>
-              <a:t>10/16/18</a:t>
+              <a:t>4/8/19</a:t>
             </a:fld>
             <a:endParaRPr lang="en-US"/>
           </a:p>
@@ -2353,7 +2358,7 @@
           <a:p>
             <a:fld id="{DBAE328C-7E4C-D244-8567-528FC59E424C}" type="datetime1">
               <a:rPr lang="en-US" smtClean="0"/>
-              <a:t>10/16/18</a:t>
+              <a:t>4/8/19</a:t>
             </a:fld>
             <a:endParaRPr lang="en-US"/>
           </a:p>
@@ -2448,7 +2453,7 @@
           <a:p>
             <a:fld id="{398E5B46-11A9-764F-870C-FAB33C48DAA8}" type="datetime1">
               <a:rPr lang="en-US" smtClean="0"/>
-              <a:t>10/16/18</a:t>
+              <a:t>4/8/19</a:t>
             </a:fld>
             <a:endParaRPr lang="en-US"/>
           </a:p>
@@ -2725,7 +2730,7 @@
           <a:p>
             <a:fld id="{88DF8A52-F7EB-A344-8DAB-1E7C24B645D5}" type="datetime1">
               <a:rPr lang="en-US" smtClean="0"/>
-              <a:t>10/16/18</a:t>
+              <a:t>4/8/19</a:t>
             </a:fld>
             <a:endParaRPr lang="en-US"/>
           </a:p>
@@ -2978,7 +2983,7 @@
           <a:p>
             <a:fld id="{C40F9E75-76D8-6549-8ABD-F964D5A29A9E}" type="datetime1">
               <a:rPr lang="en-US" smtClean="0"/>
-              <a:t>10/16/18</a:t>
+              <a:t>4/8/19</a:t>
             </a:fld>
             <a:endParaRPr lang="en-US"/>
           </a:p>
@@ -3191,7 +3196,7 @@
           <a:p>
             <a:fld id="{57279A7B-073F-0545-96D1-D2E7A9C93E06}" type="datetime1">
               <a:rPr lang="en-US" smtClean="0"/>
-              <a:t>10/16/18</a:t>
+              <a:t>4/8/19</a:t>
             </a:fld>
             <a:endParaRPr lang="en-US"/>
           </a:p>
@@ -37466,15 +37471,7 @@
             <a:pPr lvl="1"/>
             <a:r>
               <a:rPr lang="en-US" dirty="0" smtClean="0"/>
-              <a:t>With deep networks this can stil</a:t>
-            </a:r>
-            <a:r>
-              <a:rPr lang="en-US" dirty="0" smtClean="0"/>
-              <a:t>l be</a:t>
-            </a:r>
-            <a:r>
-              <a:rPr lang="en-US" dirty="0" smtClean="0"/>
-              <a:t> significant.</a:t>
+              <a:t>With deep networks this can still be significant.</a:t>
             </a:r>
           </a:p>
           <a:p>
